--- a/Whiteboard design session/WDS trainer presentation - Optimized architecture.pptx
+++ b/Whiteboard design session/WDS trainer presentation - Optimized architecture.pptx
@@ -238,7 +238,7 @@
           <a:p>
             <a:fld id="{52A13B17-C506-4D51-BB37-16B365906619}" type="datetimeFigureOut">
               <a:rPr lang="en-US" smtClean="0"/>
-              <a:t>10/30/2018</a:t>
+              <a:t>27-Dec-18</a:t>
             </a:fld>
             <a:endParaRPr lang="en-US" dirty="0"/>
           </a:p>
@@ -3475,7 +3475,7 @@
                   <a:prstClr val="black"/>
                 </a:solidFill>
               </a:rPr>
-              <a:t>10/30/2018 4:23 PM</a:t>
+              <a:t>27-Dec-18 9:20 AM</a:t>
             </a:fld>
             <a:endParaRPr lang="en-US" dirty="0">
               <a:solidFill>
@@ -24209,7 +24209,7 @@
       </p:sp>
       <p:pic>
         <p:nvPicPr>
-          <p:cNvPr id="66" name="Picture 65" descr="Existing architecture diagram&#10;&#10;Diagram of the Existing architecture.&#10;">
+          <p:cNvPr id="66" name="Picture 65" descr="Existing architecture diagram&#10;&#10;Diagram of the existing architecture which shows two Azure regions with SQL Server and Web Servers deployed on Azure Virtual Machines. There are also Messaging services with a Service Bus Queue. Application layers hosted in Azure are integrated with an Azure Internal Load Balancer. Clients on the Internet access the Web App layer through an Azure External Load Balancer.&#10;">
             <a:extLst>
               <a:ext uri="{FF2B5EF4-FFF2-40B4-BE49-F238E27FC236}">
                 <a16:creationId xmlns:a16="http://schemas.microsoft.com/office/drawing/2014/main" id="{4B284422-53F3-4A66-B1DA-62BEA9B619D9}"/>
@@ -25434,6 +25434,24 @@
 </file>
 
 <file path=customXml/item1.xml><?xml version="1.0" encoding="utf-8"?>
+<p:properties xmlns:p="http://schemas.microsoft.com/office/2006/metadata/properties" xmlns:xsi="http://www.w3.org/2001/XMLSchema-instance" xmlns:pc="http://schemas.microsoft.com/office/infopath/2007/PartnerControls">
+  <documentManagement>
+    <_ip_UnifiedCompliancePolicyUIAction xmlns="http://schemas.microsoft.com/sharepoint/v3" xsi:nil="true"/>
+    <_ip_UnifiedCompliancePolicyProperties xmlns="http://schemas.microsoft.com/sharepoint/v3" xsi:nil="true"/>
+  </documentManagement>
+</p:properties>
+</file>
+
+<file path=customXml/item2.xml><?xml version="1.0" encoding="utf-8"?>
+<?mso-contentType ?>
+<FormTemplates xmlns="http://schemas.microsoft.com/sharepoint/v3/contenttype/forms">
+  <Display>DocumentLibraryForm</Display>
+  <Edit>DocumentLibraryForm</Edit>
+  <New>DocumentLibraryForm</New>
+</FormTemplates>
+</file>
+
+<file path=customXml/item3.xml><?xml version="1.0" encoding="utf-8"?>
 <ct:contentTypeSchema xmlns:ct="http://schemas.microsoft.com/office/2006/metadata/contentType" xmlns:ma="http://schemas.microsoft.com/office/2006/metadata/properties/metaAttributes" ct:_="" ma:_="" ma:contentTypeName="Document" ma:contentTypeID="0x010100D15DFA3690A15B4081582BBCC6BEAC3E" ma:contentTypeVersion="9" ma:contentTypeDescription="Create a new document." ma:contentTypeScope="" ma:versionID="642da1784587cbe85a7fdbbe4dc36103">
   <xsd:schema xmlns:xsd="http://www.w3.org/2001/XMLSchema" xmlns:xs="http://www.w3.org/2001/XMLSchema" xmlns:p="http://schemas.microsoft.com/office/2006/metadata/properties" xmlns:ns1="http://schemas.microsoft.com/sharepoint/v3" xmlns:ns2="2023ac63-7b75-4916-a9ee-591457758eee" xmlns:ns3="d9c797ad-d7c3-4982-82b7-81352a75e4a5" targetNamespace="http://schemas.microsoft.com/office/2006/metadata/properties" ma:root="true" ma:fieldsID="91198b0246576053cc55dd2c67035a89" ns1:_="" ns2:_="" ns3:_="">
     <xsd:import namespace="http://schemas.microsoft.com/sharepoint/v3"/>
@@ -25635,25 +25653,33 @@
 </ct:contentTypeSchema>
 </file>
 
-<file path=customXml/item2.xml><?xml version="1.0" encoding="utf-8"?>
-<?mso-contentType ?>
-<FormTemplates xmlns="http://schemas.microsoft.com/sharepoint/v3/contenttype/forms">
-  <Display>DocumentLibraryForm</Display>
-  <Edit>DocumentLibraryForm</Edit>
-  <New>DocumentLibraryForm</New>
-</FormTemplates>
+<file path=customXml/itemProps1.xml><?xml version="1.0" encoding="utf-8"?>
+<ds:datastoreItem xmlns:ds="http://schemas.openxmlformats.org/officeDocument/2006/customXml" ds:itemID="{7B1BFBD9-A0FF-4D87-9FD7-EA7F33B51126}">
+  <ds:schemaRefs>
+    <ds:schemaRef ds:uri="http://schemas.microsoft.com/office/2006/documentManagement/types"/>
+    <ds:schemaRef ds:uri="http://schemas.openxmlformats.org/package/2006/metadata/core-properties"/>
+    <ds:schemaRef ds:uri="http://purl.org/dc/elements/1.1/"/>
+    <ds:schemaRef ds:uri="http://www.w3.org/XML/1998/namespace"/>
+    <ds:schemaRef ds:uri="2023ac63-7b75-4916-a9ee-591457758eee"/>
+    <ds:schemaRef ds:uri="http://schemas.microsoft.com/office/2006/metadata/properties"/>
+    <ds:schemaRef ds:uri="http://purl.org/dc/terms/"/>
+    <ds:schemaRef ds:uri="http://schemas.microsoft.com/sharepoint/v3"/>
+    <ds:schemaRef ds:uri="http://schemas.microsoft.com/office/infopath/2007/PartnerControls"/>
+    <ds:schemaRef ds:uri="d9c797ad-d7c3-4982-82b7-81352a75e4a5"/>
+    <ds:schemaRef ds:uri="http://purl.org/dc/dcmitype/"/>
+  </ds:schemaRefs>
+</ds:datastoreItem>
 </file>
 
-<file path=customXml/item3.xml><?xml version="1.0" encoding="utf-8"?>
-<p:properties xmlns:p="http://schemas.microsoft.com/office/2006/metadata/properties" xmlns:xsi="http://www.w3.org/2001/XMLSchema-instance" xmlns:pc="http://schemas.microsoft.com/office/infopath/2007/PartnerControls">
-  <documentManagement>
-    <_ip_UnifiedCompliancePolicyUIAction xmlns="http://schemas.microsoft.com/sharepoint/v3" xsi:nil="true"/>
-    <_ip_UnifiedCompliancePolicyProperties xmlns="http://schemas.microsoft.com/sharepoint/v3" xsi:nil="true"/>
-  </documentManagement>
-</p:properties>
+<file path=customXml/itemProps2.xml><?xml version="1.0" encoding="utf-8"?>
+<ds:datastoreItem xmlns:ds="http://schemas.openxmlformats.org/officeDocument/2006/customXml" ds:itemID="{54DD898F-E2DD-40B7-B3A4-1FF683F6B8B8}">
+  <ds:schemaRefs>
+    <ds:schemaRef ds:uri="http://schemas.microsoft.com/sharepoint/v3/contenttype/forms"/>
+  </ds:schemaRefs>
+</ds:datastoreItem>
 </file>
 
-<file path=customXml/itemProps1.xml><?xml version="1.0" encoding="utf-8"?>
+<file path=customXml/itemProps3.xml><?xml version="1.0" encoding="utf-8"?>
 <ds:datastoreItem xmlns:ds="http://schemas.openxmlformats.org/officeDocument/2006/customXml" ds:itemID="{65327A5B-FD20-40EE-A949-3806713D95E6}">
   <ds:schemaRefs>
     <ds:schemaRef ds:uri="http://schemas.microsoft.com/office/2006/metadata/contentType"/>
@@ -25671,30 +25697,4 @@
     <ds:schemaRef ds:uri="http://schemas.microsoft.com/internal/obd"/>
   </ds:schemaRefs>
 </ds:datastoreItem>
-</file>
-
-<file path=customXml/itemProps2.xml><?xml version="1.0" encoding="utf-8"?>
-<ds:datastoreItem xmlns:ds="http://schemas.openxmlformats.org/officeDocument/2006/customXml" ds:itemID="{54DD898F-E2DD-40B7-B3A4-1FF683F6B8B8}">
-  <ds:schemaRefs>
-    <ds:schemaRef ds:uri="http://schemas.microsoft.com/sharepoint/v3/contenttype/forms"/>
-  </ds:schemaRefs>
-</ds:datastoreItem>
-</file>
-
-<file path=customXml/itemProps3.xml><?xml version="1.0" encoding="utf-8"?>
-<ds:datastoreItem xmlns:ds="http://schemas.openxmlformats.org/officeDocument/2006/customXml" ds:itemID="{7B1BFBD9-A0FF-4D87-9FD7-EA7F33B51126}">
-  <ds:schemaRefs>
-    <ds:schemaRef ds:uri="http://schemas.microsoft.com/office/2006/documentManagement/types"/>
-    <ds:schemaRef ds:uri="http://schemas.openxmlformats.org/package/2006/metadata/core-properties"/>
-    <ds:schemaRef ds:uri="http://purl.org/dc/elements/1.1/"/>
-    <ds:schemaRef ds:uri="http://www.w3.org/XML/1998/namespace"/>
-    <ds:schemaRef ds:uri="2023ac63-7b75-4916-a9ee-591457758eee"/>
-    <ds:schemaRef ds:uri="http://schemas.microsoft.com/office/2006/metadata/properties"/>
-    <ds:schemaRef ds:uri="http://purl.org/dc/terms/"/>
-    <ds:schemaRef ds:uri="http://schemas.microsoft.com/sharepoint/v3"/>
-    <ds:schemaRef ds:uri="http://schemas.microsoft.com/office/infopath/2007/PartnerControls"/>
-    <ds:schemaRef ds:uri="d9c797ad-d7c3-4982-82b7-81352a75e4a5"/>
-    <ds:schemaRef ds:uri="http://purl.org/dc/dcmitype/"/>
-  </ds:schemaRefs>
-</ds:datastoreItem>
 </file>
--- a/Whiteboard design session/WDS trainer presentation - Optimized architecture.pptx
+++ b/Whiteboard design session/WDS trainer presentation - Optimized architecture.pptx
@@ -3475,7 +3475,7 @@
                   <a:prstClr val="black"/>
                 </a:solidFill>
               </a:rPr>
-              <a:t>27-Dec-18 9:20 AM</a:t>
+              <a:t>27-Dec-18 3:07 PM</a:t>
             </a:fld>
             <a:endParaRPr lang="en-US" dirty="0">
               <a:solidFill>
@@ -18958,245 +18958,6 @@
           </a:p>
         </p:txBody>
       </p:sp>
-      <p:sp>
-        <p:nvSpPr>
-          <p:cNvPr id="5" name="Rectangle 1">
-            <a:extLst>
-              <a:ext uri="{FF2B5EF4-FFF2-40B4-BE49-F238E27FC236}">
-                <a16:creationId xmlns:a16="http://schemas.microsoft.com/office/drawing/2014/main" id="{B2F351FC-6B91-437D-8B5D-A5FDA233EDE5}"/>
-              </a:ext>
-            </a:extLst>
-          </p:cNvPr>
-          <p:cNvSpPr>
-            <a:spLocks noChangeArrowheads="1"/>
-          </p:cNvSpPr>
-          <p:nvPr/>
-        </p:nvSpPr>
-        <p:spPr bwMode="auto">
-          <a:xfrm>
-            <a:off x="690114" y="5131901"/>
-            <a:ext cx="9445086" cy="1523494"/>
-          </a:xfrm>
-          <a:prstGeom prst="rect">
-            <a:avLst/>
-          </a:prstGeom>
-          <a:noFill/>
-          <a:ln>
-            <a:noFill/>
-          </a:ln>
-          <a:effectLst/>
-          <a:extLst>
-            <a:ext uri="{909E8E84-426E-40DD-AFC4-6F175D3DCCD1}">
-              <a14:hiddenFill xmlns:a14="http://schemas.microsoft.com/office/drawing/2010/main">
-                <a:solidFill>
-                  <a:schemeClr val="accent1"/>
-                </a:solidFill>
-              </a14:hiddenFill>
-            </a:ext>
-            <a:ext uri="{91240B29-F687-4F45-9708-019B960494DF}">
-              <a14:hiddenLine xmlns:a14="http://schemas.microsoft.com/office/drawing/2010/main" w="9525">
-                <a:solidFill>
-                  <a:schemeClr val="tx1"/>
-                </a:solidFill>
-                <a:miter lim="800000"/>
-                <a:headEnd/>
-                <a:tailEnd/>
-              </a14:hiddenLine>
-            </a:ext>
-            <a:ext uri="{AF507438-7753-43E0-B8FC-AC1667EBCBE1}">
-              <a14:hiddenEffects xmlns:a14="http://schemas.microsoft.com/office/drawing/2010/main">
-                <a:effectLst>
-                  <a:outerShdw dist="35921" dir="2700000" algn="ctr" rotWithShape="0">
-                    <a:schemeClr val="bg2"/>
-                  </a:outerShdw>
-                </a:effectLst>
-              </a14:hiddenEffects>
-            </a:ext>
-          </a:extLst>
-        </p:spPr>
-        <p:txBody>
-          <a:bodyPr vert="horz" wrap="none" lIns="91440" tIns="45720" rIns="91440" bIns="45720" numCol="1" anchor="ctr" anchorCtr="0" compatLnSpc="1">
-            <a:prstTxWarp prst="textNoShape">
-              <a:avLst/>
-            </a:prstTxWarp>
-            <a:spAutoFit/>
-          </a:bodyPr>
-          <a:lstStyle/>
-          <a:p>
-            <a:pPr eaLnBrk="0" fontAlgn="base" hangingPunct="0">
-              <a:spcBef>
-                <a:spcPct val="0"/>
-              </a:spcBef>
-              <a:spcAft>
-                <a:spcPct val="0"/>
-              </a:spcAft>
-            </a:pPr>
-            <a:r>
-              <a:rPr lang="en-US" altLang="en-US" dirty="0">
-                <a:latin typeface="Segoe UI" panose="020B0502040204020203" pitchFamily="34" charset="0"/>
-                <a:cs typeface="Segoe UI" panose="020B0502040204020203" pitchFamily="34" charset="0"/>
-              </a:rPr>
-              <a:t>Existing Architecture (Current) Monthly Cost: $6,902</a:t>
-            </a:r>
-            <a:endParaRPr lang="en-US" altLang="en-US" dirty="0">
-              <a:latin typeface="Arial" panose="020B0604020202020204" pitchFamily="34" charset="0"/>
-            </a:endParaRPr>
-          </a:p>
-          <a:p>
-            <a:pPr marL="0" marR="0" lvl="0" indent="0" algn="l" defTabSz="914400" rtl="0" eaLnBrk="0" fontAlgn="base" latinLnBrk="0" hangingPunct="0">
-              <a:lnSpc>
-                <a:spcPct val="100000"/>
-              </a:lnSpc>
-              <a:spcBef>
-                <a:spcPct val="0"/>
-              </a:spcBef>
-              <a:spcAft>
-                <a:spcPct val="0"/>
-              </a:spcAft>
-              <a:buClrTx/>
-              <a:buSzTx/>
-              <a:buFontTx/>
-              <a:buNone/>
-              <a:tabLst/>
-            </a:pPr>
-            <a:r>
-              <a:rPr kumimoji="0" lang="en-US" altLang="en-US" sz="2800" b="0" i="0" u="none" strike="noStrike" cap="none" normalizeH="0" baseline="0" dirty="0">
-                <a:ln>
-                  <a:noFill/>
-                </a:ln>
-                <a:effectLst/>
-                <a:latin typeface="Segoe UI" panose="020B0502040204020203" pitchFamily="34" charset="0"/>
-                <a:ea typeface="Calibri" panose="020F0502020204030204" pitchFamily="34" charset="0"/>
-                <a:cs typeface="Segoe UI" panose="020B0502040204020203" pitchFamily="34" charset="0"/>
-              </a:rPr>
-              <a:t>Total Monthly Savings over Existing Architecture: </a:t>
-            </a:r>
-            <a:r>
-              <a:rPr kumimoji="0" lang="en-US" altLang="en-US" sz="2800" b="1" i="0" u="none" strike="noStrike" cap="none" normalizeH="0" baseline="0" dirty="0">
-                <a:ln>
-                  <a:noFill/>
-                </a:ln>
-                <a:effectLst/>
-                <a:latin typeface="Segoe UI" panose="020B0502040204020203" pitchFamily="34" charset="0"/>
-                <a:ea typeface="Calibri" panose="020F0502020204030204" pitchFamily="34" charset="0"/>
-                <a:cs typeface="Segoe UI" panose="020B0502040204020203" pitchFamily="34" charset="0"/>
-              </a:rPr>
-              <a:t>$3</a:t>
-            </a:r>
-            <a:r>
-              <a:rPr lang="en-US" altLang="en-US" sz="2800" b="1" dirty="0">
-                <a:latin typeface="Segoe UI" panose="020B0502040204020203" pitchFamily="34" charset="0"/>
-                <a:ea typeface="Calibri" panose="020F0502020204030204" pitchFamily="34" charset="0"/>
-                <a:cs typeface="Segoe UI" panose="020B0502040204020203" pitchFamily="34" charset="0"/>
-              </a:rPr>
-              <a:t>,392</a:t>
-            </a:r>
-            <a:endParaRPr kumimoji="0" lang="en-US" altLang="en-US" sz="2800" b="1" i="0" u="none" strike="noStrike" cap="none" normalizeH="0" baseline="0" dirty="0">
-              <a:ln>
-                <a:noFill/>
-              </a:ln>
-              <a:effectLst/>
-              <a:latin typeface="Segoe UI" panose="020B0502040204020203" pitchFamily="34" charset="0"/>
-              <a:ea typeface="Calibri" panose="020F0502020204030204" pitchFamily="34" charset="0"/>
-              <a:cs typeface="Segoe UI" panose="020B0502040204020203" pitchFamily="34" charset="0"/>
-            </a:endParaRPr>
-          </a:p>
-          <a:p>
-            <a:pPr marL="0" marR="0" lvl="0" indent="0" algn="l" defTabSz="914400" rtl="0" eaLnBrk="0" fontAlgn="base" latinLnBrk="0" hangingPunct="0">
-              <a:lnSpc>
-                <a:spcPct val="100000"/>
-              </a:lnSpc>
-              <a:spcBef>
-                <a:spcPct val="0"/>
-              </a:spcBef>
-              <a:spcAft>
-                <a:spcPct val="0"/>
-              </a:spcAft>
-              <a:buClrTx/>
-              <a:buSzTx/>
-              <a:buFontTx/>
-              <a:buNone/>
-              <a:tabLst/>
-            </a:pPr>
-            <a:r>
-              <a:rPr kumimoji="0" lang="en-US" altLang="en-US" sz="1100" b="1" i="0" u="none" strike="noStrike" cap="none" normalizeH="0" baseline="0" dirty="0">
-                <a:ln>
-                  <a:noFill/>
-                </a:ln>
-                <a:effectLst/>
-                <a:latin typeface="Segoe UI" panose="020B0502040204020203" pitchFamily="34" charset="0"/>
-                <a:ea typeface="Calibri" panose="020F0502020204030204" pitchFamily="34" charset="0"/>
-                <a:cs typeface="Segoe UI" panose="020B0502040204020203" pitchFamily="34" charset="0"/>
-              </a:rPr>
-              <a:t> </a:t>
-            </a:r>
-            <a:br>
-              <a:rPr kumimoji="0" lang="en-US" altLang="en-US" sz="2800" b="1" i="0" u="none" strike="noStrike" cap="none" normalizeH="0" baseline="0" dirty="0">
-                <a:ln>
-                  <a:noFill/>
-                </a:ln>
-                <a:effectLst/>
-                <a:latin typeface="Segoe UI" panose="020B0502040204020203" pitchFamily="34" charset="0"/>
-                <a:ea typeface="Calibri" panose="020F0502020204030204" pitchFamily="34" charset="0"/>
-                <a:cs typeface="Segoe UI" panose="020B0502040204020203" pitchFamily="34" charset="0"/>
-              </a:rPr>
-            </a:br>
-            <a:r>
-              <a:rPr kumimoji="0" lang="en-US" altLang="en-US" sz="2800" b="0" i="0" u="none" strike="noStrike" cap="none" normalizeH="0" baseline="0" dirty="0">
-                <a:ln>
-                  <a:noFill/>
-                </a:ln>
-                <a:effectLst/>
-                <a:latin typeface="Segoe UI" panose="020B0502040204020203" pitchFamily="34" charset="0"/>
-                <a:ea typeface="Calibri" panose="020F0502020204030204" pitchFamily="34" charset="0"/>
-                <a:cs typeface="Segoe UI" panose="020B0502040204020203" pitchFamily="34" charset="0"/>
-              </a:rPr>
-              <a:t>Total Annual Savings over Existing Architecture: </a:t>
-            </a:r>
-            <a:r>
-              <a:rPr kumimoji="0" lang="en-US" altLang="en-US" sz="3600" b="1" i="0" u="none" strike="noStrike" cap="none" normalizeH="0" baseline="0" dirty="0">
-                <a:ln>
-                  <a:noFill/>
-                </a:ln>
-                <a:solidFill>
-                  <a:srgbClr val="92D050"/>
-                </a:solidFill>
-                <a:effectLst/>
-                <a:latin typeface="Segoe UI" panose="020B0502040204020203" pitchFamily="34" charset="0"/>
-                <a:ea typeface="Calibri" panose="020F0502020204030204" pitchFamily="34" charset="0"/>
-                <a:cs typeface="Segoe UI" panose="020B0502040204020203" pitchFamily="34" charset="0"/>
-              </a:rPr>
-              <a:t>$</a:t>
-            </a:r>
-            <a:r>
-              <a:rPr lang="en-US" altLang="en-US" sz="3600" b="1" dirty="0">
-                <a:solidFill>
-                  <a:srgbClr val="92D050"/>
-                </a:solidFill>
-                <a:latin typeface="Segoe UI" panose="020B0502040204020203" pitchFamily="34" charset="0"/>
-                <a:ea typeface="Calibri" panose="020F0502020204030204" pitchFamily="34" charset="0"/>
-                <a:cs typeface="Segoe UI" panose="020B0502040204020203" pitchFamily="34" charset="0"/>
-              </a:rPr>
-              <a:t>40</a:t>
-            </a:r>
-            <a:r>
-              <a:rPr kumimoji="0" lang="en-US" altLang="en-US" sz="3600" b="1" i="0" u="none" strike="noStrike" cap="none" normalizeH="0" baseline="0" dirty="0">
-                <a:ln>
-                  <a:noFill/>
-                </a:ln>
-                <a:solidFill>
-                  <a:srgbClr val="92D050"/>
-                </a:solidFill>
-                <a:effectLst/>
-                <a:latin typeface="Segoe UI" panose="020B0502040204020203" pitchFamily="34" charset="0"/>
-                <a:ea typeface="Calibri" panose="020F0502020204030204" pitchFamily="34" charset="0"/>
-                <a:cs typeface="Segoe UI" panose="020B0502040204020203" pitchFamily="34" charset="0"/>
-              </a:rPr>
-              <a:t>,704</a:t>
-            </a:r>
-          </a:p>
-        </p:txBody>
-      </p:sp>
       <p:graphicFrame>
         <p:nvGraphicFramePr>
           <p:cNvPr id="4" name="Table 3">
@@ -19875,6 +19636,245 @@
           </a:graphicData>
         </a:graphic>
       </p:graphicFrame>
+      <p:sp>
+        <p:nvSpPr>
+          <p:cNvPr id="5" name="Rectangle 1">
+            <a:extLst>
+              <a:ext uri="{FF2B5EF4-FFF2-40B4-BE49-F238E27FC236}">
+                <a16:creationId xmlns:a16="http://schemas.microsoft.com/office/drawing/2014/main" id="{B2F351FC-6B91-437D-8B5D-A5FDA233EDE5}"/>
+              </a:ext>
+            </a:extLst>
+          </p:cNvPr>
+          <p:cNvSpPr>
+            <a:spLocks noChangeArrowheads="1"/>
+          </p:cNvSpPr>
+          <p:nvPr/>
+        </p:nvSpPr>
+        <p:spPr bwMode="auto">
+          <a:xfrm>
+            <a:off x="690114" y="5131901"/>
+            <a:ext cx="9445086" cy="1523494"/>
+          </a:xfrm>
+          <a:prstGeom prst="rect">
+            <a:avLst/>
+          </a:prstGeom>
+          <a:noFill/>
+          <a:ln>
+            <a:noFill/>
+          </a:ln>
+          <a:effectLst/>
+          <a:extLst>
+            <a:ext uri="{909E8E84-426E-40DD-AFC4-6F175D3DCCD1}">
+              <a14:hiddenFill xmlns:a14="http://schemas.microsoft.com/office/drawing/2010/main">
+                <a:solidFill>
+                  <a:schemeClr val="accent1"/>
+                </a:solidFill>
+              </a14:hiddenFill>
+            </a:ext>
+            <a:ext uri="{91240B29-F687-4F45-9708-019B960494DF}">
+              <a14:hiddenLine xmlns:a14="http://schemas.microsoft.com/office/drawing/2010/main" w="9525">
+                <a:solidFill>
+                  <a:schemeClr val="tx1"/>
+                </a:solidFill>
+                <a:miter lim="800000"/>
+                <a:headEnd/>
+                <a:tailEnd/>
+              </a14:hiddenLine>
+            </a:ext>
+            <a:ext uri="{AF507438-7753-43E0-B8FC-AC1667EBCBE1}">
+              <a14:hiddenEffects xmlns:a14="http://schemas.microsoft.com/office/drawing/2010/main">
+                <a:effectLst>
+                  <a:outerShdw dist="35921" dir="2700000" algn="ctr" rotWithShape="0">
+                    <a:schemeClr val="bg2"/>
+                  </a:outerShdw>
+                </a:effectLst>
+              </a14:hiddenEffects>
+            </a:ext>
+          </a:extLst>
+        </p:spPr>
+        <p:txBody>
+          <a:bodyPr vert="horz" wrap="none" lIns="91440" tIns="45720" rIns="91440" bIns="45720" numCol="1" anchor="ctr" anchorCtr="0" compatLnSpc="1">
+            <a:prstTxWarp prst="textNoShape">
+              <a:avLst/>
+            </a:prstTxWarp>
+            <a:spAutoFit/>
+          </a:bodyPr>
+          <a:lstStyle/>
+          <a:p>
+            <a:pPr eaLnBrk="0" fontAlgn="base" hangingPunct="0">
+              <a:spcBef>
+                <a:spcPct val="0"/>
+              </a:spcBef>
+              <a:spcAft>
+                <a:spcPct val="0"/>
+              </a:spcAft>
+            </a:pPr>
+            <a:r>
+              <a:rPr lang="en-US" altLang="en-US" dirty="0">
+                <a:latin typeface="Segoe UI" panose="020B0502040204020203" pitchFamily="34" charset="0"/>
+                <a:cs typeface="Segoe UI" panose="020B0502040204020203" pitchFamily="34" charset="0"/>
+              </a:rPr>
+              <a:t>Existing Architecture (Current) Monthly Cost: $6,902</a:t>
+            </a:r>
+            <a:endParaRPr lang="en-US" altLang="en-US" dirty="0">
+              <a:latin typeface="Arial" panose="020B0604020202020204" pitchFamily="34" charset="0"/>
+            </a:endParaRPr>
+          </a:p>
+          <a:p>
+            <a:pPr marL="0" marR="0" lvl="0" indent="0" algn="l" defTabSz="914400" rtl="0" eaLnBrk="0" fontAlgn="base" latinLnBrk="0" hangingPunct="0">
+              <a:lnSpc>
+                <a:spcPct val="100000"/>
+              </a:lnSpc>
+              <a:spcBef>
+                <a:spcPct val="0"/>
+              </a:spcBef>
+              <a:spcAft>
+                <a:spcPct val="0"/>
+              </a:spcAft>
+              <a:buClrTx/>
+              <a:buSzTx/>
+              <a:buFontTx/>
+              <a:buNone/>
+              <a:tabLst/>
+            </a:pPr>
+            <a:r>
+              <a:rPr kumimoji="0" lang="en-US" altLang="en-US" sz="2800" b="0" i="0" u="none" strike="noStrike" cap="none" normalizeH="0" baseline="0" dirty="0">
+                <a:ln>
+                  <a:noFill/>
+                </a:ln>
+                <a:effectLst/>
+                <a:latin typeface="Segoe UI" panose="020B0502040204020203" pitchFamily="34" charset="0"/>
+                <a:ea typeface="Calibri" panose="020F0502020204030204" pitchFamily="34" charset="0"/>
+                <a:cs typeface="Segoe UI" panose="020B0502040204020203" pitchFamily="34" charset="0"/>
+              </a:rPr>
+              <a:t>Total Monthly Savings over Existing Architecture: </a:t>
+            </a:r>
+            <a:r>
+              <a:rPr kumimoji="0" lang="en-US" altLang="en-US" sz="2800" b="1" i="0" u="none" strike="noStrike" cap="none" normalizeH="0" baseline="0" dirty="0">
+                <a:ln>
+                  <a:noFill/>
+                </a:ln>
+                <a:effectLst/>
+                <a:latin typeface="Segoe UI" panose="020B0502040204020203" pitchFamily="34" charset="0"/>
+                <a:ea typeface="Calibri" panose="020F0502020204030204" pitchFamily="34" charset="0"/>
+                <a:cs typeface="Segoe UI" panose="020B0502040204020203" pitchFamily="34" charset="0"/>
+              </a:rPr>
+              <a:t>$3</a:t>
+            </a:r>
+            <a:r>
+              <a:rPr lang="en-US" altLang="en-US" sz="2800" b="1" dirty="0">
+                <a:latin typeface="Segoe UI" panose="020B0502040204020203" pitchFamily="34" charset="0"/>
+                <a:ea typeface="Calibri" panose="020F0502020204030204" pitchFamily="34" charset="0"/>
+                <a:cs typeface="Segoe UI" panose="020B0502040204020203" pitchFamily="34" charset="0"/>
+              </a:rPr>
+              <a:t>,392</a:t>
+            </a:r>
+            <a:endParaRPr kumimoji="0" lang="en-US" altLang="en-US" sz="2800" b="1" i="0" u="none" strike="noStrike" cap="none" normalizeH="0" baseline="0" dirty="0">
+              <a:ln>
+                <a:noFill/>
+              </a:ln>
+              <a:effectLst/>
+              <a:latin typeface="Segoe UI" panose="020B0502040204020203" pitchFamily="34" charset="0"/>
+              <a:ea typeface="Calibri" panose="020F0502020204030204" pitchFamily="34" charset="0"/>
+              <a:cs typeface="Segoe UI" panose="020B0502040204020203" pitchFamily="34" charset="0"/>
+            </a:endParaRPr>
+          </a:p>
+          <a:p>
+            <a:pPr marL="0" marR="0" lvl="0" indent="0" algn="l" defTabSz="914400" rtl="0" eaLnBrk="0" fontAlgn="base" latinLnBrk="0" hangingPunct="0">
+              <a:lnSpc>
+                <a:spcPct val="100000"/>
+              </a:lnSpc>
+              <a:spcBef>
+                <a:spcPct val="0"/>
+              </a:spcBef>
+              <a:spcAft>
+                <a:spcPct val="0"/>
+              </a:spcAft>
+              <a:buClrTx/>
+              <a:buSzTx/>
+              <a:buFontTx/>
+              <a:buNone/>
+              <a:tabLst/>
+            </a:pPr>
+            <a:r>
+              <a:rPr kumimoji="0" lang="en-US" altLang="en-US" sz="1100" b="1" i="0" u="none" strike="noStrike" cap="none" normalizeH="0" baseline="0" dirty="0">
+                <a:ln>
+                  <a:noFill/>
+                </a:ln>
+                <a:effectLst/>
+                <a:latin typeface="Segoe UI" panose="020B0502040204020203" pitchFamily="34" charset="0"/>
+                <a:ea typeface="Calibri" panose="020F0502020204030204" pitchFamily="34" charset="0"/>
+                <a:cs typeface="Segoe UI" panose="020B0502040204020203" pitchFamily="34" charset="0"/>
+              </a:rPr>
+              <a:t> </a:t>
+            </a:r>
+            <a:br>
+              <a:rPr kumimoji="0" lang="en-US" altLang="en-US" sz="2800" b="1" i="0" u="none" strike="noStrike" cap="none" normalizeH="0" baseline="0" dirty="0">
+                <a:ln>
+                  <a:noFill/>
+                </a:ln>
+                <a:effectLst/>
+                <a:latin typeface="Segoe UI" panose="020B0502040204020203" pitchFamily="34" charset="0"/>
+                <a:ea typeface="Calibri" panose="020F0502020204030204" pitchFamily="34" charset="0"/>
+                <a:cs typeface="Segoe UI" panose="020B0502040204020203" pitchFamily="34" charset="0"/>
+              </a:rPr>
+            </a:br>
+            <a:r>
+              <a:rPr kumimoji="0" lang="en-US" altLang="en-US" sz="2800" b="0" i="0" u="none" strike="noStrike" cap="none" normalizeH="0" baseline="0" dirty="0">
+                <a:ln>
+                  <a:noFill/>
+                </a:ln>
+                <a:effectLst/>
+                <a:latin typeface="Segoe UI" panose="020B0502040204020203" pitchFamily="34" charset="0"/>
+                <a:ea typeface="Calibri" panose="020F0502020204030204" pitchFamily="34" charset="0"/>
+                <a:cs typeface="Segoe UI" panose="020B0502040204020203" pitchFamily="34" charset="0"/>
+              </a:rPr>
+              <a:t>Total Annual Savings over Existing Architecture: </a:t>
+            </a:r>
+            <a:r>
+              <a:rPr kumimoji="0" lang="en-US" altLang="en-US" sz="3600" b="1" i="0" u="none" strike="noStrike" cap="none" normalizeH="0" baseline="0" dirty="0">
+                <a:ln>
+                  <a:noFill/>
+                </a:ln>
+                <a:solidFill>
+                  <a:srgbClr val="92D050"/>
+                </a:solidFill>
+                <a:effectLst/>
+                <a:latin typeface="Segoe UI" panose="020B0502040204020203" pitchFamily="34" charset="0"/>
+                <a:ea typeface="Calibri" panose="020F0502020204030204" pitchFamily="34" charset="0"/>
+                <a:cs typeface="Segoe UI" panose="020B0502040204020203" pitchFamily="34" charset="0"/>
+              </a:rPr>
+              <a:t>$</a:t>
+            </a:r>
+            <a:r>
+              <a:rPr lang="en-US" altLang="en-US" sz="3600" b="1" dirty="0">
+                <a:solidFill>
+                  <a:srgbClr val="92D050"/>
+                </a:solidFill>
+                <a:latin typeface="Segoe UI" panose="020B0502040204020203" pitchFamily="34" charset="0"/>
+                <a:ea typeface="Calibri" panose="020F0502020204030204" pitchFamily="34" charset="0"/>
+                <a:cs typeface="Segoe UI" panose="020B0502040204020203" pitchFamily="34" charset="0"/>
+              </a:rPr>
+              <a:t>40</a:t>
+            </a:r>
+            <a:r>
+              <a:rPr kumimoji="0" lang="en-US" altLang="en-US" sz="3600" b="1" i="0" u="none" strike="noStrike" cap="none" normalizeH="0" baseline="0" dirty="0">
+                <a:ln>
+                  <a:noFill/>
+                </a:ln>
+                <a:solidFill>
+                  <a:srgbClr val="92D050"/>
+                </a:solidFill>
+                <a:effectLst/>
+                <a:latin typeface="Segoe UI" panose="020B0502040204020203" pitchFamily="34" charset="0"/>
+                <a:ea typeface="Calibri" panose="020F0502020204030204" pitchFamily="34" charset="0"/>
+                <a:cs typeface="Segoe UI" panose="020B0502040204020203" pitchFamily="34" charset="0"/>
+              </a:rPr>
+              <a:t>,704</a:t>
+            </a:r>
+          </a:p>
+        </p:txBody>
+      </p:sp>
     </p:spTree>
     <p:extLst>
       <p:ext uri="{BB962C8B-B14F-4D97-AF65-F5344CB8AC3E}">
@@ -19968,6 +19968,36 @@
           </a:p>
         </p:txBody>
       </p:sp>
+      <p:pic>
+        <p:nvPicPr>
+          <p:cNvPr id="3" name="Picture 2" descr="Costs are struck through&#10;&#10;The costs column in the table are show with a red strike through line to demonstrate that the costs do not apply and will be lower with Reserved instance">
+            <a:extLst>
+              <a:ext uri="{FF2B5EF4-FFF2-40B4-BE49-F238E27FC236}">
+                <a16:creationId xmlns:a16="http://schemas.microsoft.com/office/drawing/2014/main" id="{BDCD9A9C-557C-4F2F-BFE9-2917218E9275}"/>
+              </a:ext>
+            </a:extLst>
+          </p:cNvPr>
+          <p:cNvPicPr>
+            <a:picLocks noChangeAspect="1"/>
+          </p:cNvPicPr>
+          <p:nvPr/>
+        </p:nvPicPr>
+        <p:blipFill>
+          <a:blip r:embed="rId3"/>
+          <a:stretch>
+            <a:fillRect/>
+          </a:stretch>
+        </p:blipFill>
+        <p:spPr>
+          <a:xfrm>
+            <a:off x="517898" y="1542890"/>
+            <a:ext cx="10796952" cy="4925995"/>
+          </a:xfrm>
+          <a:prstGeom prst="rect">
+            <a:avLst/>
+          </a:prstGeom>
+        </p:spPr>
+      </p:pic>
       <p:sp>
         <p:nvSpPr>
           <p:cNvPr id="5" name="Rectangle 1">
@@ -20213,36 +20243,6 @@
           </a:p>
         </p:txBody>
       </p:sp>
-      <p:pic>
-        <p:nvPicPr>
-          <p:cNvPr id="3" name="Picture 2" descr="Costs are struck through&#10;&#10;The costs column in the table are show with a red strike through line to demonstrate that the costs do not apply and will be lower with Reserved instance">
-            <a:extLst>
-              <a:ext uri="{FF2B5EF4-FFF2-40B4-BE49-F238E27FC236}">
-                <a16:creationId xmlns:a16="http://schemas.microsoft.com/office/drawing/2014/main" id="{BDCD9A9C-557C-4F2F-BFE9-2917218E9275}"/>
-              </a:ext>
-            </a:extLst>
-          </p:cNvPr>
-          <p:cNvPicPr>
-            <a:picLocks noChangeAspect="1"/>
-          </p:cNvPicPr>
-          <p:nvPr/>
-        </p:nvPicPr>
-        <p:blipFill>
-          <a:blip r:embed="rId3"/>
-          <a:stretch>
-            <a:fillRect/>
-          </a:stretch>
-        </p:blipFill>
-        <p:spPr>
-          <a:xfrm>
-            <a:off x="517898" y="1542890"/>
-            <a:ext cx="10796952" cy="4925995"/>
-          </a:xfrm>
-          <a:prstGeom prst="rect">
-            <a:avLst/>
-          </a:prstGeom>
-        </p:spPr>
-      </p:pic>
     </p:spTree>
     <p:extLst>
       <p:ext uri="{BB962C8B-B14F-4D97-AF65-F5344CB8AC3E}">
@@ -21702,168 +21702,6 @@
               <a:solidFill>
                 <a:schemeClr val="tx1"/>
               </a:solidFill>
-            </a:endParaRPr>
-          </a:p>
-        </p:txBody>
-      </p:sp>
-      <p:sp>
-        <p:nvSpPr>
-          <p:cNvPr id="7" name="Rectangle 1">
-            <a:extLst>
-              <a:ext uri="{FF2B5EF4-FFF2-40B4-BE49-F238E27FC236}">
-                <a16:creationId xmlns:a16="http://schemas.microsoft.com/office/drawing/2014/main" id="{25DED2E1-B308-454F-B180-B71F34527133}"/>
-              </a:ext>
-            </a:extLst>
-          </p:cNvPr>
-          <p:cNvSpPr>
-            <a:spLocks noChangeArrowheads="1"/>
-          </p:cNvSpPr>
-          <p:nvPr/>
-        </p:nvSpPr>
-        <p:spPr bwMode="auto">
-          <a:xfrm>
-            <a:off x="692431" y="5137119"/>
-            <a:ext cx="9445086" cy="1523494"/>
-          </a:xfrm>
-          <a:prstGeom prst="rect">
-            <a:avLst/>
-          </a:prstGeom>
-          <a:noFill/>
-          <a:ln>
-            <a:noFill/>
-          </a:ln>
-          <a:effectLst/>
-          <a:extLst>
-            <a:ext uri="{909E8E84-426E-40DD-AFC4-6F175D3DCCD1}">
-              <a14:hiddenFill xmlns:a14="http://schemas.microsoft.com/office/drawing/2010/main">
-                <a:solidFill>
-                  <a:schemeClr val="accent1"/>
-                </a:solidFill>
-              </a14:hiddenFill>
-            </a:ext>
-            <a:ext uri="{91240B29-F687-4F45-9708-019B960494DF}">
-              <a14:hiddenLine xmlns:a14="http://schemas.microsoft.com/office/drawing/2010/main" w="9525">
-                <a:solidFill>
-                  <a:schemeClr val="tx1"/>
-                </a:solidFill>
-                <a:miter lim="800000"/>
-                <a:headEnd/>
-                <a:tailEnd/>
-              </a14:hiddenLine>
-            </a:ext>
-            <a:ext uri="{AF507438-7753-43E0-B8FC-AC1667EBCBE1}">
-              <a14:hiddenEffects xmlns:a14="http://schemas.microsoft.com/office/drawing/2010/main">
-                <a:effectLst>
-                  <a:outerShdw dist="35921" dir="2700000" algn="ctr" rotWithShape="0">
-                    <a:schemeClr val="bg2"/>
-                  </a:outerShdw>
-                </a:effectLst>
-              </a14:hiddenEffects>
-            </a:ext>
-          </a:extLst>
-        </p:spPr>
-        <p:txBody>
-          <a:bodyPr vert="horz" wrap="none" lIns="91440" tIns="45720" rIns="91440" bIns="45720" numCol="1" anchor="ctr" anchorCtr="0" compatLnSpc="1">
-            <a:prstTxWarp prst="textNoShape">
-              <a:avLst/>
-            </a:prstTxWarp>
-            <a:spAutoFit/>
-          </a:bodyPr>
-          <a:lstStyle/>
-          <a:p>
-            <a:pPr eaLnBrk="0" fontAlgn="base" hangingPunct="0">
-              <a:spcBef>
-                <a:spcPct val="0"/>
-              </a:spcBef>
-              <a:spcAft>
-                <a:spcPct val="0"/>
-              </a:spcAft>
-            </a:pPr>
-            <a:r>
-              <a:rPr lang="en-US" altLang="en-US" dirty="0">
-                <a:latin typeface="Segoe UI" panose="020B0502040204020203" pitchFamily="34" charset="0"/>
-                <a:cs typeface="Segoe UI" panose="020B0502040204020203" pitchFamily="34" charset="0"/>
-              </a:rPr>
-              <a:t>Existing Architecture (Current) Monthly Cost: $6,902</a:t>
-            </a:r>
-            <a:endParaRPr lang="en-US" altLang="en-US" dirty="0">
-              <a:latin typeface="Arial" panose="020B0604020202020204" pitchFamily="34" charset="0"/>
-            </a:endParaRPr>
-          </a:p>
-          <a:p>
-            <a:pPr lvl="0" eaLnBrk="0" fontAlgn="base" hangingPunct="0">
-              <a:spcBef>
-                <a:spcPct val="0"/>
-              </a:spcBef>
-              <a:spcAft>
-                <a:spcPct val="0"/>
-              </a:spcAft>
-            </a:pPr>
-            <a:r>
-              <a:rPr lang="en-US" altLang="en-US" sz="2800" dirty="0">
-                <a:latin typeface="Segoe UI" panose="020B0502040204020203" pitchFamily="34" charset="0"/>
-                <a:ea typeface="Calibri" panose="020F0502020204030204" pitchFamily="34" charset="0"/>
-                <a:cs typeface="Segoe UI" panose="020B0502040204020203" pitchFamily="34" charset="0"/>
-              </a:rPr>
-              <a:t>Total Monthly Savings over Existing Architecture: </a:t>
-            </a:r>
-            <a:r>
-              <a:rPr lang="en-US" altLang="en-US" sz="2800" b="1" dirty="0">
-                <a:latin typeface="Segoe UI" panose="020B0502040204020203" pitchFamily="34" charset="0"/>
-                <a:ea typeface="Calibri" panose="020F0502020204030204" pitchFamily="34" charset="0"/>
-                <a:cs typeface="Segoe UI" panose="020B0502040204020203" pitchFamily="34" charset="0"/>
-              </a:rPr>
-              <a:t>$3,320</a:t>
-            </a:r>
-          </a:p>
-          <a:p>
-            <a:pPr lvl="0" eaLnBrk="0" fontAlgn="base" hangingPunct="0">
-              <a:spcBef>
-                <a:spcPct val="0"/>
-              </a:spcBef>
-              <a:spcAft>
-                <a:spcPct val="0"/>
-              </a:spcAft>
-            </a:pPr>
-            <a:r>
-              <a:rPr lang="en-US" altLang="en-US" sz="1100" b="1" dirty="0">
-                <a:latin typeface="Segoe UI" panose="020B0502040204020203" pitchFamily="34" charset="0"/>
-                <a:ea typeface="Calibri" panose="020F0502020204030204" pitchFamily="34" charset="0"/>
-                <a:cs typeface="Segoe UI" panose="020B0502040204020203" pitchFamily="34" charset="0"/>
-              </a:rPr>
-              <a:t> </a:t>
-            </a:r>
-            <a:br>
-              <a:rPr lang="en-US" altLang="en-US" sz="2800" b="1" dirty="0">
-                <a:latin typeface="Segoe UI" panose="020B0502040204020203" pitchFamily="34" charset="0"/>
-                <a:ea typeface="Calibri" panose="020F0502020204030204" pitchFamily="34" charset="0"/>
-                <a:cs typeface="Segoe UI" panose="020B0502040204020203" pitchFamily="34" charset="0"/>
-              </a:rPr>
-            </a:br>
-            <a:r>
-              <a:rPr lang="en-US" altLang="en-US" sz="2800" dirty="0">
-                <a:latin typeface="Segoe UI" panose="020B0502040204020203" pitchFamily="34" charset="0"/>
-                <a:ea typeface="Calibri" panose="020F0502020204030204" pitchFamily="34" charset="0"/>
-                <a:cs typeface="Segoe UI" panose="020B0502040204020203" pitchFamily="34" charset="0"/>
-              </a:rPr>
-              <a:t>Total Annual Savings over Existing Architecture: </a:t>
-            </a:r>
-            <a:r>
-              <a:rPr lang="en-US" altLang="en-US" sz="3600" b="1" dirty="0">
-                <a:solidFill>
-                  <a:srgbClr val="92D050"/>
-                </a:solidFill>
-                <a:latin typeface="Segoe UI" panose="020B0502040204020203" pitchFamily="34" charset="0"/>
-                <a:ea typeface="Calibri" panose="020F0502020204030204" pitchFamily="34" charset="0"/>
-                <a:cs typeface="Segoe UI" panose="020B0502040204020203" pitchFamily="34" charset="0"/>
-              </a:rPr>
-              <a:t>$39,840</a:t>
-            </a:r>
-            <a:endParaRPr lang="en-US" altLang="en-US" sz="2800" dirty="0">
-              <a:solidFill>
-                <a:srgbClr val="92D050"/>
-              </a:solidFill>
-              <a:latin typeface="Arial" panose="020B0604020202020204" pitchFamily="34" charset="0"/>
             </a:endParaRPr>
           </a:p>
         </p:txBody>
@@ -22543,6 +22381,168 @@
           </a:graphicData>
         </a:graphic>
       </p:graphicFrame>
+      <p:sp>
+        <p:nvSpPr>
+          <p:cNvPr id="7" name="Rectangle 1">
+            <a:extLst>
+              <a:ext uri="{FF2B5EF4-FFF2-40B4-BE49-F238E27FC236}">
+                <a16:creationId xmlns:a16="http://schemas.microsoft.com/office/drawing/2014/main" id="{25DED2E1-B308-454F-B180-B71F34527133}"/>
+              </a:ext>
+            </a:extLst>
+          </p:cNvPr>
+          <p:cNvSpPr>
+            <a:spLocks noChangeArrowheads="1"/>
+          </p:cNvSpPr>
+          <p:nvPr/>
+        </p:nvSpPr>
+        <p:spPr bwMode="auto">
+          <a:xfrm>
+            <a:off x="692431" y="5137119"/>
+            <a:ext cx="9445086" cy="1523494"/>
+          </a:xfrm>
+          <a:prstGeom prst="rect">
+            <a:avLst/>
+          </a:prstGeom>
+          <a:noFill/>
+          <a:ln>
+            <a:noFill/>
+          </a:ln>
+          <a:effectLst/>
+          <a:extLst>
+            <a:ext uri="{909E8E84-426E-40DD-AFC4-6F175D3DCCD1}">
+              <a14:hiddenFill xmlns:a14="http://schemas.microsoft.com/office/drawing/2010/main">
+                <a:solidFill>
+                  <a:schemeClr val="accent1"/>
+                </a:solidFill>
+              </a14:hiddenFill>
+            </a:ext>
+            <a:ext uri="{91240B29-F687-4F45-9708-019B960494DF}">
+              <a14:hiddenLine xmlns:a14="http://schemas.microsoft.com/office/drawing/2010/main" w="9525">
+                <a:solidFill>
+                  <a:schemeClr val="tx1"/>
+                </a:solidFill>
+                <a:miter lim="800000"/>
+                <a:headEnd/>
+                <a:tailEnd/>
+              </a14:hiddenLine>
+            </a:ext>
+            <a:ext uri="{AF507438-7753-43E0-B8FC-AC1667EBCBE1}">
+              <a14:hiddenEffects xmlns:a14="http://schemas.microsoft.com/office/drawing/2010/main">
+                <a:effectLst>
+                  <a:outerShdw dist="35921" dir="2700000" algn="ctr" rotWithShape="0">
+                    <a:schemeClr val="bg2"/>
+                  </a:outerShdw>
+                </a:effectLst>
+              </a14:hiddenEffects>
+            </a:ext>
+          </a:extLst>
+        </p:spPr>
+        <p:txBody>
+          <a:bodyPr vert="horz" wrap="none" lIns="91440" tIns="45720" rIns="91440" bIns="45720" numCol="1" anchor="ctr" anchorCtr="0" compatLnSpc="1">
+            <a:prstTxWarp prst="textNoShape">
+              <a:avLst/>
+            </a:prstTxWarp>
+            <a:spAutoFit/>
+          </a:bodyPr>
+          <a:lstStyle/>
+          <a:p>
+            <a:pPr eaLnBrk="0" fontAlgn="base" hangingPunct="0">
+              <a:spcBef>
+                <a:spcPct val="0"/>
+              </a:spcBef>
+              <a:spcAft>
+                <a:spcPct val="0"/>
+              </a:spcAft>
+            </a:pPr>
+            <a:r>
+              <a:rPr lang="en-US" altLang="en-US" dirty="0">
+                <a:latin typeface="Segoe UI" panose="020B0502040204020203" pitchFamily="34" charset="0"/>
+                <a:cs typeface="Segoe UI" panose="020B0502040204020203" pitchFamily="34" charset="0"/>
+              </a:rPr>
+              <a:t>Existing Architecture (Current) Monthly Cost: $6,902</a:t>
+            </a:r>
+            <a:endParaRPr lang="en-US" altLang="en-US" dirty="0">
+              <a:latin typeface="Arial" panose="020B0604020202020204" pitchFamily="34" charset="0"/>
+            </a:endParaRPr>
+          </a:p>
+          <a:p>
+            <a:pPr lvl="0" eaLnBrk="0" fontAlgn="base" hangingPunct="0">
+              <a:spcBef>
+                <a:spcPct val="0"/>
+              </a:spcBef>
+              <a:spcAft>
+                <a:spcPct val="0"/>
+              </a:spcAft>
+            </a:pPr>
+            <a:r>
+              <a:rPr lang="en-US" altLang="en-US" sz="2800" dirty="0">
+                <a:latin typeface="Segoe UI" panose="020B0502040204020203" pitchFamily="34" charset="0"/>
+                <a:ea typeface="Calibri" panose="020F0502020204030204" pitchFamily="34" charset="0"/>
+                <a:cs typeface="Segoe UI" panose="020B0502040204020203" pitchFamily="34" charset="0"/>
+              </a:rPr>
+              <a:t>Total Monthly Savings over Existing Architecture: </a:t>
+            </a:r>
+            <a:r>
+              <a:rPr lang="en-US" altLang="en-US" sz="2800" b="1" dirty="0">
+                <a:latin typeface="Segoe UI" panose="020B0502040204020203" pitchFamily="34" charset="0"/>
+                <a:ea typeface="Calibri" panose="020F0502020204030204" pitchFamily="34" charset="0"/>
+                <a:cs typeface="Segoe UI" panose="020B0502040204020203" pitchFamily="34" charset="0"/>
+              </a:rPr>
+              <a:t>$3,320</a:t>
+            </a:r>
+          </a:p>
+          <a:p>
+            <a:pPr lvl="0" eaLnBrk="0" fontAlgn="base" hangingPunct="0">
+              <a:spcBef>
+                <a:spcPct val="0"/>
+              </a:spcBef>
+              <a:spcAft>
+                <a:spcPct val="0"/>
+              </a:spcAft>
+            </a:pPr>
+            <a:r>
+              <a:rPr lang="en-US" altLang="en-US" sz="1100" b="1" dirty="0">
+                <a:latin typeface="Segoe UI" panose="020B0502040204020203" pitchFamily="34" charset="0"/>
+                <a:ea typeface="Calibri" panose="020F0502020204030204" pitchFamily="34" charset="0"/>
+                <a:cs typeface="Segoe UI" panose="020B0502040204020203" pitchFamily="34" charset="0"/>
+              </a:rPr>
+              <a:t> </a:t>
+            </a:r>
+            <a:br>
+              <a:rPr lang="en-US" altLang="en-US" sz="2800" b="1" dirty="0">
+                <a:latin typeface="Segoe UI" panose="020B0502040204020203" pitchFamily="34" charset="0"/>
+                <a:ea typeface="Calibri" panose="020F0502020204030204" pitchFamily="34" charset="0"/>
+                <a:cs typeface="Segoe UI" panose="020B0502040204020203" pitchFamily="34" charset="0"/>
+              </a:rPr>
+            </a:br>
+            <a:r>
+              <a:rPr lang="en-US" altLang="en-US" sz="2800" dirty="0">
+                <a:latin typeface="Segoe UI" panose="020B0502040204020203" pitchFamily="34" charset="0"/>
+                <a:ea typeface="Calibri" panose="020F0502020204030204" pitchFamily="34" charset="0"/>
+                <a:cs typeface="Segoe UI" panose="020B0502040204020203" pitchFamily="34" charset="0"/>
+              </a:rPr>
+              <a:t>Total Annual Savings over Existing Architecture: </a:t>
+            </a:r>
+            <a:r>
+              <a:rPr lang="en-US" altLang="en-US" sz="3600" b="1" dirty="0">
+                <a:solidFill>
+                  <a:srgbClr val="92D050"/>
+                </a:solidFill>
+                <a:latin typeface="Segoe UI" panose="020B0502040204020203" pitchFamily="34" charset="0"/>
+                <a:ea typeface="Calibri" panose="020F0502020204030204" pitchFamily="34" charset="0"/>
+                <a:cs typeface="Segoe UI" panose="020B0502040204020203" pitchFamily="34" charset="0"/>
+              </a:rPr>
+              <a:t>$39,840</a:t>
+            </a:r>
+            <a:endParaRPr lang="en-US" altLang="en-US" sz="2800" dirty="0">
+              <a:solidFill>
+                <a:srgbClr val="92D050"/>
+              </a:solidFill>
+              <a:latin typeface="Arial" panose="020B0604020202020204" pitchFamily="34" charset="0"/>
+            </a:endParaRPr>
+          </a:p>
+        </p:txBody>
+      </p:sp>
     </p:spTree>
     <p:extLst>
       <p:ext uri="{BB962C8B-B14F-4D97-AF65-F5344CB8AC3E}">
@@ -25434,24 +25434,6 @@
 </file>
 
 <file path=customXml/item1.xml><?xml version="1.0" encoding="utf-8"?>
-<p:properties xmlns:p="http://schemas.microsoft.com/office/2006/metadata/properties" xmlns:xsi="http://www.w3.org/2001/XMLSchema-instance" xmlns:pc="http://schemas.microsoft.com/office/infopath/2007/PartnerControls">
-  <documentManagement>
-    <_ip_UnifiedCompliancePolicyUIAction xmlns="http://schemas.microsoft.com/sharepoint/v3" xsi:nil="true"/>
-    <_ip_UnifiedCompliancePolicyProperties xmlns="http://schemas.microsoft.com/sharepoint/v3" xsi:nil="true"/>
-  </documentManagement>
-</p:properties>
-</file>
-
-<file path=customXml/item2.xml><?xml version="1.0" encoding="utf-8"?>
-<?mso-contentType ?>
-<FormTemplates xmlns="http://schemas.microsoft.com/sharepoint/v3/contenttype/forms">
-  <Display>DocumentLibraryForm</Display>
-  <Edit>DocumentLibraryForm</Edit>
-  <New>DocumentLibraryForm</New>
-</FormTemplates>
-</file>
-
-<file path=customXml/item3.xml><?xml version="1.0" encoding="utf-8"?>
 <ct:contentTypeSchema xmlns:ct="http://schemas.microsoft.com/office/2006/metadata/contentType" xmlns:ma="http://schemas.microsoft.com/office/2006/metadata/properties/metaAttributes" ct:_="" ma:_="" ma:contentTypeName="Document" ma:contentTypeID="0x010100D15DFA3690A15B4081582BBCC6BEAC3E" ma:contentTypeVersion="9" ma:contentTypeDescription="Create a new document." ma:contentTypeScope="" ma:versionID="642da1784587cbe85a7fdbbe4dc36103">
   <xsd:schema xmlns:xsd="http://www.w3.org/2001/XMLSchema" xmlns:xs="http://www.w3.org/2001/XMLSchema" xmlns:p="http://schemas.microsoft.com/office/2006/metadata/properties" xmlns:ns1="http://schemas.microsoft.com/sharepoint/v3" xmlns:ns2="2023ac63-7b75-4916-a9ee-591457758eee" xmlns:ns3="d9c797ad-d7c3-4982-82b7-81352a75e4a5" targetNamespace="http://schemas.microsoft.com/office/2006/metadata/properties" ma:root="true" ma:fieldsID="91198b0246576053cc55dd2c67035a89" ns1:_="" ns2:_="" ns3:_="">
     <xsd:import namespace="http://schemas.microsoft.com/sharepoint/v3"/>
@@ -25653,33 +25635,25 @@
 </ct:contentTypeSchema>
 </file>
 
-<file path=customXml/itemProps1.xml><?xml version="1.0" encoding="utf-8"?>
-<ds:datastoreItem xmlns:ds="http://schemas.openxmlformats.org/officeDocument/2006/customXml" ds:itemID="{7B1BFBD9-A0FF-4D87-9FD7-EA7F33B51126}">
-  <ds:schemaRefs>
-    <ds:schemaRef ds:uri="http://schemas.microsoft.com/office/2006/documentManagement/types"/>
-    <ds:schemaRef ds:uri="http://schemas.openxmlformats.org/package/2006/metadata/core-properties"/>
-    <ds:schemaRef ds:uri="http://purl.org/dc/elements/1.1/"/>
-    <ds:schemaRef ds:uri="http://www.w3.org/XML/1998/namespace"/>
-    <ds:schemaRef ds:uri="2023ac63-7b75-4916-a9ee-591457758eee"/>
-    <ds:schemaRef ds:uri="http://schemas.microsoft.com/office/2006/metadata/properties"/>
-    <ds:schemaRef ds:uri="http://purl.org/dc/terms/"/>
-    <ds:schemaRef ds:uri="http://schemas.microsoft.com/sharepoint/v3"/>
-    <ds:schemaRef ds:uri="http://schemas.microsoft.com/office/infopath/2007/PartnerControls"/>
-    <ds:schemaRef ds:uri="d9c797ad-d7c3-4982-82b7-81352a75e4a5"/>
-    <ds:schemaRef ds:uri="http://purl.org/dc/dcmitype/"/>
-  </ds:schemaRefs>
-</ds:datastoreItem>
+<file path=customXml/item2.xml><?xml version="1.0" encoding="utf-8"?>
+<?mso-contentType ?>
+<FormTemplates xmlns="http://schemas.microsoft.com/sharepoint/v3/contenttype/forms">
+  <Display>DocumentLibraryForm</Display>
+  <Edit>DocumentLibraryForm</Edit>
+  <New>DocumentLibraryForm</New>
+</FormTemplates>
 </file>
 
-<file path=customXml/itemProps2.xml><?xml version="1.0" encoding="utf-8"?>
-<ds:datastoreItem xmlns:ds="http://schemas.openxmlformats.org/officeDocument/2006/customXml" ds:itemID="{54DD898F-E2DD-40B7-B3A4-1FF683F6B8B8}">
-  <ds:schemaRefs>
-    <ds:schemaRef ds:uri="http://schemas.microsoft.com/sharepoint/v3/contenttype/forms"/>
-  </ds:schemaRefs>
-</ds:datastoreItem>
+<file path=customXml/item3.xml><?xml version="1.0" encoding="utf-8"?>
+<p:properties xmlns:p="http://schemas.microsoft.com/office/2006/metadata/properties" xmlns:xsi="http://www.w3.org/2001/XMLSchema-instance" xmlns:pc="http://schemas.microsoft.com/office/infopath/2007/PartnerControls">
+  <documentManagement>
+    <_ip_UnifiedCompliancePolicyUIAction xmlns="http://schemas.microsoft.com/sharepoint/v3" xsi:nil="true"/>
+    <_ip_UnifiedCompliancePolicyProperties xmlns="http://schemas.microsoft.com/sharepoint/v3" xsi:nil="true"/>
+  </documentManagement>
+</p:properties>
 </file>
 
-<file path=customXml/itemProps3.xml><?xml version="1.0" encoding="utf-8"?>
+<file path=customXml/itemProps1.xml><?xml version="1.0" encoding="utf-8"?>
 <ds:datastoreItem xmlns:ds="http://schemas.openxmlformats.org/officeDocument/2006/customXml" ds:itemID="{65327A5B-FD20-40EE-A949-3806713D95E6}">
   <ds:schemaRefs>
     <ds:schemaRef ds:uri="http://schemas.microsoft.com/office/2006/metadata/contentType"/>
@@ -25697,4 +25671,30 @@
     <ds:schemaRef ds:uri="http://schemas.microsoft.com/internal/obd"/>
   </ds:schemaRefs>
 </ds:datastoreItem>
+</file>
+
+<file path=customXml/itemProps2.xml><?xml version="1.0" encoding="utf-8"?>
+<ds:datastoreItem xmlns:ds="http://schemas.openxmlformats.org/officeDocument/2006/customXml" ds:itemID="{54DD898F-E2DD-40B7-B3A4-1FF683F6B8B8}">
+  <ds:schemaRefs>
+    <ds:schemaRef ds:uri="http://schemas.microsoft.com/sharepoint/v3/contenttype/forms"/>
+  </ds:schemaRefs>
+</ds:datastoreItem>
+</file>
+
+<file path=customXml/itemProps3.xml><?xml version="1.0" encoding="utf-8"?>
+<ds:datastoreItem xmlns:ds="http://schemas.openxmlformats.org/officeDocument/2006/customXml" ds:itemID="{7B1BFBD9-A0FF-4D87-9FD7-EA7F33B51126}">
+  <ds:schemaRefs>
+    <ds:schemaRef ds:uri="http://schemas.microsoft.com/office/2006/documentManagement/types"/>
+    <ds:schemaRef ds:uri="http://schemas.openxmlformats.org/package/2006/metadata/core-properties"/>
+    <ds:schemaRef ds:uri="http://purl.org/dc/elements/1.1/"/>
+    <ds:schemaRef ds:uri="http://www.w3.org/XML/1998/namespace"/>
+    <ds:schemaRef ds:uri="2023ac63-7b75-4916-a9ee-591457758eee"/>
+    <ds:schemaRef ds:uri="http://schemas.microsoft.com/office/2006/metadata/properties"/>
+    <ds:schemaRef ds:uri="http://purl.org/dc/terms/"/>
+    <ds:schemaRef ds:uri="http://schemas.microsoft.com/sharepoint/v3"/>
+    <ds:schemaRef ds:uri="http://schemas.microsoft.com/office/infopath/2007/PartnerControls"/>
+    <ds:schemaRef ds:uri="d9c797ad-d7c3-4982-82b7-81352a75e4a5"/>
+    <ds:schemaRef ds:uri="http://purl.org/dc/dcmitype/"/>
+  </ds:schemaRefs>
+</ds:datastoreItem>
 </file>